--- a/Slides/4 - Working with Back-end Servers.pptx
+++ b/Slides/4 - Working with Back-end Servers.pptx
@@ -5,13 +5,14 @@
     <p:sldMasterId id="2147483660" r:id="rId1"/>
   </p:sldMasterIdLst>
   <p:notesMasterIdLst>
-    <p:notesMasterId r:id="rId6"/>
+    <p:notesMasterId r:id="rId7"/>
   </p:notesMasterIdLst>
   <p:sldIdLst>
     <p:sldId id="451" r:id="rId2"/>
     <p:sldId id="463" r:id="rId3"/>
-    <p:sldId id="466" r:id="rId4"/>
-    <p:sldId id="450" r:id="rId5"/>
+    <p:sldId id="467" r:id="rId4"/>
+    <p:sldId id="466" r:id="rId5"/>
+    <p:sldId id="450" r:id="rId6"/>
   </p:sldIdLst>
   <p:sldSz cx="12192000" cy="6858000"/>
   <p:notesSz cx="6858000" cy="9144000"/>
@@ -117,6 +118,7 @@
           <p14:sldIdLst>
             <p14:sldId id="451"/>
             <p14:sldId id="463"/>
+            <p14:sldId id="467"/>
             <p14:sldId id="466"/>
             <p14:sldId id="450"/>
           </p14:sldIdLst>
@@ -218,7 +220,7 @@
           <a:p>
             <a:fld id="{A9DDBD42-E139-45FA-9C16-1611187CAC3F}" type="datetimeFigureOut">
               <a:rPr lang="en-US" smtClean="0"/>
-              <a:t>10/18/2015</a:t>
+              <a:t>10/20/2015</a:t>
             </a:fld>
             <a:endParaRPr lang="en-US"/>
           </a:p>
@@ -567,6 +569,94 @@
     <p:extLst>
       <p:ext uri="{BB962C8B-B14F-4D97-AF65-F5344CB8AC3E}">
         <p14:creationId xmlns:p14="http://schemas.microsoft.com/office/powerpoint/2010/main" val="1744050345"/>
+      </p:ext>
+    </p:extLst>
+  </p:cSld>
+  <p:clrMapOvr>
+    <a:masterClrMapping/>
+  </p:clrMapOvr>
+</p:notes>
+</file>
+
+<file path=ppt/notesSlides/notesSlide2.xml><?xml version="1.0" encoding="utf-8"?>
+<p:notes xmlns:a="http://schemas.openxmlformats.org/drawingml/2006/main" xmlns:r="http://schemas.openxmlformats.org/officeDocument/2006/relationships" xmlns:p="http://schemas.openxmlformats.org/presentationml/2006/main">
+  <p:cSld>
+    <p:spTree>
+      <p:nvGrpSpPr>
+        <p:cNvPr id="1" name=""/>
+        <p:cNvGrpSpPr/>
+        <p:nvPr/>
+      </p:nvGrpSpPr>
+      <p:grpSpPr>
+        <a:xfrm>
+          <a:off x="0" y="0"/>
+          <a:ext cx="0" cy="0"/>
+          <a:chOff x="0" y="0"/>
+          <a:chExt cx="0" cy="0"/>
+        </a:xfrm>
+      </p:grpSpPr>
+      <p:sp>
+        <p:nvSpPr>
+          <p:cNvPr id="2" name="Slide Image Placeholder 1"/>
+          <p:cNvSpPr>
+            <a:spLocks noGrp="1" noRot="1" noChangeAspect="1"/>
+          </p:cNvSpPr>
+          <p:nvPr>
+            <p:ph type="sldImg"/>
+          </p:nvPr>
+        </p:nvSpPr>
+        <p:spPr/>
+      </p:sp>
+      <p:sp>
+        <p:nvSpPr>
+          <p:cNvPr id="3" name="Notes Placeholder 2"/>
+          <p:cNvSpPr>
+            <a:spLocks noGrp="1"/>
+          </p:cNvSpPr>
+          <p:nvPr>
+            <p:ph type="body" idx="1"/>
+          </p:nvPr>
+        </p:nvSpPr>
+        <p:spPr/>
+        <p:txBody>
+          <a:bodyPr/>
+          <a:lstStyle/>
+          <a:p>
+            <a:r>
+              <a:rPr lang="en-US" dirty="0" smtClean="0"/>
+              <a:t>https://github.com/reactjs/React.NET</a:t>
+            </a:r>
+            <a:endParaRPr lang="en-US" dirty="0"/>
+          </a:p>
+        </p:txBody>
+      </p:sp>
+      <p:sp>
+        <p:nvSpPr>
+          <p:cNvPr id="4" name="Slide Number Placeholder 3"/>
+          <p:cNvSpPr>
+            <a:spLocks noGrp="1"/>
+          </p:cNvSpPr>
+          <p:nvPr>
+            <p:ph type="sldNum" sz="quarter" idx="10"/>
+          </p:nvPr>
+        </p:nvSpPr>
+        <p:spPr/>
+        <p:txBody>
+          <a:bodyPr/>
+          <a:lstStyle/>
+          <a:p>
+            <a:fld id="{906AB01E-7BD7-442B-8A6B-D31FAFDAE830}" type="slidenum">
+              <a:rPr lang="en-US" smtClean="0"/>
+              <a:t>3</a:t>
+            </a:fld>
+            <a:endParaRPr lang="en-US"/>
+          </a:p>
+        </p:txBody>
+      </p:sp>
+    </p:spTree>
+    <p:extLst>
+      <p:ext uri="{BB962C8B-B14F-4D97-AF65-F5344CB8AC3E}">
+        <p14:creationId xmlns:p14="http://schemas.microsoft.com/office/powerpoint/2010/main" val="1270763939"/>
       </p:ext>
     </p:extLst>
   </p:cSld>
@@ -3350,12 +3440,12 @@
       </p:grpSpPr>
       <p:sp>
         <p:nvSpPr>
-          <p:cNvPr id="2" name="Text Placeholder 1"/>
+          <p:cNvPr id="2" name="Title 1"/>
           <p:cNvSpPr>
             <a:spLocks noGrp="1"/>
           </p:cNvSpPr>
           <p:nvPr>
-            <p:ph type="body" sz="quarter" idx="10"/>
+            <p:ph type="title"/>
           </p:nvPr>
         </p:nvSpPr>
         <p:spPr/>
@@ -3364,36 +3454,17 @@
           <a:lstStyle/>
           <a:p>
             <a:r>
-              <a:rPr lang="en-US" smtClean="0"/>
-              <a:t>Node.js</a:t>
+              <a:rPr lang="en-US" dirty="0" smtClean="0"/>
+              <a:t>ReactJS.NET Example</a:t>
             </a:r>
             <a:endParaRPr lang="en-US" dirty="0"/>
-          </a:p>
-        </p:txBody>
-      </p:sp>
-      <p:sp>
-        <p:nvSpPr>
-          <p:cNvPr id="3" name="Subtitle 2"/>
-          <p:cNvSpPr>
-            <a:spLocks noGrp="1"/>
-          </p:cNvSpPr>
-          <p:nvPr>
-            <p:ph type="subTitle" idx="1"/>
-          </p:nvPr>
-        </p:nvSpPr>
-        <p:spPr/>
-        <p:txBody>
-          <a:bodyPr/>
-          <a:lstStyle/>
-          <a:p>
-            <a:endParaRPr lang="en-US"/>
           </a:p>
         </p:txBody>
       </p:sp>
     </p:spTree>
     <p:extLst>
       <p:ext uri="{BB962C8B-B14F-4D97-AF65-F5344CB8AC3E}">
-        <p14:creationId xmlns:p14="http://schemas.microsoft.com/office/powerpoint/2010/main" val="2692157243"/>
+        <p14:creationId xmlns:p14="http://schemas.microsoft.com/office/powerpoint/2010/main" val="2926053733"/>
       </p:ext>
     </p:extLst>
   </p:cSld>
@@ -3411,6 +3482,93 @@
 </file>
 
 <file path=ppt/slides/slide4.xml><?xml version="1.0" encoding="utf-8"?>
+<p:sld xmlns:a="http://schemas.openxmlformats.org/drawingml/2006/main" xmlns:r="http://schemas.openxmlformats.org/officeDocument/2006/relationships" xmlns:p="http://schemas.openxmlformats.org/presentationml/2006/main" show="0">
+  <p:cSld>
+    <p:spTree>
+      <p:nvGrpSpPr>
+        <p:cNvPr id="1" name=""/>
+        <p:cNvGrpSpPr/>
+        <p:nvPr/>
+      </p:nvGrpSpPr>
+      <p:grpSpPr>
+        <a:xfrm>
+          <a:off x="0" y="0"/>
+          <a:ext cx="0" cy="0"/>
+          <a:chOff x="0" y="0"/>
+          <a:chExt cx="0" cy="0"/>
+        </a:xfrm>
+      </p:grpSpPr>
+      <p:sp>
+        <p:nvSpPr>
+          <p:cNvPr id="2" name="Text Placeholder 1"/>
+          <p:cNvSpPr>
+            <a:spLocks noGrp="1"/>
+          </p:cNvSpPr>
+          <p:nvPr>
+            <p:ph type="body" sz="quarter" idx="10"/>
+          </p:nvPr>
+        </p:nvSpPr>
+        <p:spPr/>
+        <p:txBody>
+          <a:bodyPr/>
+          <a:lstStyle/>
+          <a:p>
+            <a:r>
+              <a:rPr lang="en-US" smtClean="0"/>
+              <a:t>Node.js</a:t>
+            </a:r>
+            <a:endParaRPr lang="en-US" dirty="0"/>
+          </a:p>
+        </p:txBody>
+      </p:sp>
+      <p:sp>
+        <p:nvSpPr>
+          <p:cNvPr id="3" name="Subtitle 2"/>
+          <p:cNvSpPr>
+            <a:spLocks noGrp="1"/>
+          </p:cNvSpPr>
+          <p:nvPr>
+            <p:ph type="subTitle" idx="1"/>
+          </p:nvPr>
+        </p:nvSpPr>
+        <p:spPr/>
+        <p:txBody>
+          <a:bodyPr/>
+          <a:lstStyle/>
+          <a:p>
+            <a:endParaRPr lang="en-US"/>
+          </a:p>
+        </p:txBody>
+      </p:sp>
+    </p:spTree>
+    <p:extLst>
+      <p:ext uri="{BB962C8B-B14F-4D97-AF65-F5344CB8AC3E}">
+        <p14:creationId xmlns:p14="http://schemas.microsoft.com/office/powerpoint/2010/main" val="2692157243"/>
+      </p:ext>
+    </p:extLst>
+  </p:cSld>
+  <p:clrMapOvr>
+    <a:masterClrMapping/>
+  </p:clrMapOvr>
+  <mc:AlternateContent xmlns:mc="http://schemas.openxmlformats.org/markup-compatibility/2006">
+    <mc:Choice xmlns:p14="http://schemas.microsoft.com/office/powerpoint/2010/main" Requires="p14">
+      <p:transition spd="slow" p14:dur="2000"/>
+    </mc:Choice>
+    <mc:Fallback>
+      <p:transition spd="slow"/>
+    </mc:Fallback>
+  </mc:AlternateContent>
+  <p:timing>
+    <p:tnLst>
+      <p:par>
+        <p:cTn id="1" dur="indefinite" restart="never" nodeType="tmRoot"/>
+      </p:par>
+    </p:tnLst>
+  </p:timing>
+</p:sld>
+</file>
+
+<file path=ppt/slides/slide5.xml><?xml version="1.0" encoding="utf-8"?>
 <p:sld xmlns:a="http://schemas.openxmlformats.org/drawingml/2006/main" xmlns:r="http://schemas.openxmlformats.org/officeDocument/2006/relationships" xmlns:p="http://schemas.openxmlformats.org/presentationml/2006/main">
   <p:cSld>
     <p:spTree>

--- a/Slides/4 - Working with Back-end Servers.pptx
+++ b/Slides/4 - Working with Back-end Servers.pptx
@@ -5,14 +5,15 @@
     <p:sldMasterId id="2147483660" r:id="rId1"/>
   </p:sldMasterIdLst>
   <p:notesMasterIdLst>
-    <p:notesMasterId r:id="rId7"/>
+    <p:notesMasterId r:id="rId8"/>
   </p:notesMasterIdLst>
   <p:sldIdLst>
     <p:sldId id="451" r:id="rId2"/>
     <p:sldId id="463" r:id="rId3"/>
     <p:sldId id="467" r:id="rId4"/>
     <p:sldId id="466" r:id="rId5"/>
-    <p:sldId id="450" r:id="rId6"/>
+    <p:sldId id="468" r:id="rId6"/>
+    <p:sldId id="450" r:id="rId7"/>
   </p:sldIdLst>
   <p:sldSz cx="12192000" cy="6858000"/>
   <p:notesSz cx="6858000" cy="9144000"/>
@@ -120,6 +121,7 @@
             <p14:sldId id="463"/>
             <p14:sldId id="467"/>
             <p14:sldId id="466"/>
+            <p14:sldId id="468"/>
             <p14:sldId id="450"/>
           </p14:sldIdLst>
         </p14:section>
@@ -220,7 +222,7 @@
           <a:p>
             <a:fld id="{A9DDBD42-E139-45FA-9C16-1611187CAC3F}" type="datetimeFigureOut">
               <a:rPr lang="en-US" smtClean="0"/>
-              <a:t>10/20/2015</a:t>
+              <a:t>10/21/2015</a:t>
             </a:fld>
             <a:endParaRPr lang="en-US"/>
           </a:p>
@@ -657,6 +659,94 @@
     <p:extLst>
       <p:ext uri="{BB962C8B-B14F-4D97-AF65-F5344CB8AC3E}">
         <p14:creationId xmlns:p14="http://schemas.microsoft.com/office/powerpoint/2010/main" val="1270763939"/>
+      </p:ext>
+    </p:extLst>
+  </p:cSld>
+  <p:clrMapOvr>
+    <a:masterClrMapping/>
+  </p:clrMapOvr>
+</p:notes>
+</file>
+
+<file path=ppt/notesSlides/notesSlide3.xml><?xml version="1.0" encoding="utf-8"?>
+<p:notes xmlns:a="http://schemas.openxmlformats.org/drawingml/2006/main" xmlns:r="http://schemas.openxmlformats.org/officeDocument/2006/relationships" xmlns:p="http://schemas.openxmlformats.org/presentationml/2006/main">
+  <p:cSld>
+    <p:spTree>
+      <p:nvGrpSpPr>
+        <p:cNvPr id="1" name=""/>
+        <p:cNvGrpSpPr/>
+        <p:nvPr/>
+      </p:nvGrpSpPr>
+      <p:grpSpPr>
+        <a:xfrm>
+          <a:off x="0" y="0"/>
+          <a:ext cx="0" cy="0"/>
+          <a:chOff x="0" y="0"/>
+          <a:chExt cx="0" cy="0"/>
+        </a:xfrm>
+      </p:grpSpPr>
+      <p:sp>
+        <p:nvSpPr>
+          <p:cNvPr id="2" name="Slide Image Placeholder 1"/>
+          <p:cNvSpPr>
+            <a:spLocks noGrp="1" noRot="1" noChangeAspect="1"/>
+          </p:cNvSpPr>
+          <p:nvPr>
+            <p:ph type="sldImg"/>
+          </p:nvPr>
+        </p:nvSpPr>
+        <p:spPr/>
+      </p:sp>
+      <p:sp>
+        <p:nvSpPr>
+          <p:cNvPr id="3" name="Notes Placeholder 2"/>
+          <p:cNvSpPr>
+            <a:spLocks noGrp="1"/>
+          </p:cNvSpPr>
+          <p:nvPr>
+            <p:ph type="body" idx="1"/>
+          </p:nvPr>
+        </p:nvSpPr>
+        <p:spPr/>
+        <p:txBody>
+          <a:bodyPr/>
+          <a:lstStyle/>
+          <a:p>
+            <a:r>
+              <a:rPr lang="en-US" dirty="0" smtClean="0"/>
+              <a:t>https://github.com/reactjs/React.NET</a:t>
+            </a:r>
+            <a:endParaRPr lang="en-US" dirty="0"/>
+          </a:p>
+        </p:txBody>
+      </p:sp>
+      <p:sp>
+        <p:nvSpPr>
+          <p:cNvPr id="4" name="Slide Number Placeholder 3"/>
+          <p:cNvSpPr>
+            <a:spLocks noGrp="1"/>
+          </p:cNvSpPr>
+          <p:nvPr>
+            <p:ph type="sldNum" sz="quarter" idx="10"/>
+          </p:nvPr>
+        </p:nvSpPr>
+        <p:spPr/>
+        <p:txBody>
+          <a:bodyPr/>
+          <a:lstStyle/>
+          <a:p>
+            <a:fld id="{906AB01E-7BD7-442B-8A6B-D31FAFDAE830}" type="slidenum">
+              <a:rPr lang="en-US" smtClean="0"/>
+              <a:t>5</a:t>
+            </a:fld>
+            <a:endParaRPr lang="en-US"/>
+          </a:p>
+        </p:txBody>
+      </p:sp>
+    </p:spTree>
+    <p:extLst>
+      <p:ext uri="{BB962C8B-B14F-4D97-AF65-F5344CB8AC3E}">
+        <p14:creationId xmlns:p14="http://schemas.microsoft.com/office/powerpoint/2010/main" val="3232534335"/>
       </p:ext>
     </p:extLst>
   </p:cSld>
@@ -3482,7 +3572,7 @@
 </file>
 
 <file path=ppt/slides/slide4.xml><?xml version="1.0" encoding="utf-8"?>
-<p:sld xmlns:a="http://schemas.openxmlformats.org/drawingml/2006/main" xmlns:r="http://schemas.openxmlformats.org/officeDocument/2006/relationships" xmlns:p="http://schemas.openxmlformats.org/presentationml/2006/main" show="0">
+<p:sld xmlns:a="http://schemas.openxmlformats.org/drawingml/2006/main" xmlns:r="http://schemas.openxmlformats.org/officeDocument/2006/relationships" xmlns:p="http://schemas.openxmlformats.org/presentationml/2006/main">
   <p:cSld>
     <p:spTree>
       <p:nvGrpSpPr>
@@ -3569,6 +3659,70 @@
 </file>
 
 <file path=ppt/slides/slide5.xml><?xml version="1.0" encoding="utf-8"?>
+<p:sld xmlns:a="http://schemas.openxmlformats.org/drawingml/2006/main" xmlns:r="http://schemas.openxmlformats.org/officeDocument/2006/relationships" xmlns:p="http://schemas.openxmlformats.org/presentationml/2006/main">
+  <p:cSld>
+    <p:spTree>
+      <p:nvGrpSpPr>
+        <p:cNvPr id="1" name=""/>
+        <p:cNvGrpSpPr/>
+        <p:nvPr/>
+      </p:nvGrpSpPr>
+      <p:grpSpPr>
+        <a:xfrm>
+          <a:off x="0" y="0"/>
+          <a:ext cx="0" cy="0"/>
+          <a:chOff x="0" y="0"/>
+          <a:chExt cx="0" cy="0"/>
+        </a:xfrm>
+      </p:grpSpPr>
+      <p:sp>
+        <p:nvSpPr>
+          <p:cNvPr id="2" name="Title 1"/>
+          <p:cNvSpPr>
+            <a:spLocks noGrp="1"/>
+          </p:cNvSpPr>
+          <p:nvPr>
+            <p:ph type="title"/>
+          </p:nvPr>
+        </p:nvSpPr>
+        <p:spPr/>
+        <p:txBody>
+          <a:bodyPr/>
+          <a:lstStyle/>
+          <a:p>
+            <a:r>
+              <a:rPr lang="en-US" smtClean="0"/>
+              <a:t>Node.js </a:t>
+            </a:r>
+            <a:r>
+              <a:rPr lang="en-US" dirty="0" smtClean="0"/>
+              <a:t>Example</a:t>
+            </a:r>
+            <a:endParaRPr lang="en-US" dirty="0"/>
+          </a:p>
+        </p:txBody>
+      </p:sp>
+    </p:spTree>
+    <p:extLst>
+      <p:ext uri="{BB962C8B-B14F-4D97-AF65-F5344CB8AC3E}">
+        <p14:creationId xmlns:p14="http://schemas.microsoft.com/office/powerpoint/2010/main" val="92908684"/>
+      </p:ext>
+    </p:extLst>
+  </p:cSld>
+  <p:clrMapOvr>
+    <a:masterClrMapping/>
+  </p:clrMapOvr>
+  <p:timing>
+    <p:tnLst>
+      <p:par>
+        <p:cTn id="1" dur="indefinite" restart="never" nodeType="tmRoot"/>
+      </p:par>
+    </p:tnLst>
+  </p:timing>
+</p:sld>
+</file>
+
+<file path=ppt/slides/slide6.xml><?xml version="1.0" encoding="utf-8"?>
 <p:sld xmlns:a="http://schemas.openxmlformats.org/drawingml/2006/main" xmlns:r="http://schemas.openxmlformats.org/officeDocument/2006/relationships" xmlns:p="http://schemas.openxmlformats.org/presentationml/2006/main">
   <p:cSld>
     <p:spTree>
